--- a/groupPresentation1.pptx
+++ b/groupPresentation1.pptx
@@ -1050,42 +1050,6 @@
         </a:p>
       </dgm:t>
     </dgm:pt>
-    <dgm:pt modelId="{D7025E59-0BF3-436B-91E0-0A86C1D7DEF6}">
-      <dgm:prSet/>
-      <dgm:spPr/>
-      <dgm:t>
-        <a:bodyPr/>
-        <a:lstStyle/>
-        <a:p>
-          <a:r>
-            <a:rPr lang="en-US"/>
-            <a:t>Adding a bit of quirkiness, the user can throw caution to the wind and choose to spin a roulette wheel with a random combination of parameters</a:t>
-          </a:r>
-        </a:p>
-      </dgm:t>
-    </dgm:pt>
-    <dgm:pt modelId="{1E506417-0625-40D1-BCE2-5EE35ED93864}" type="parTrans" cxnId="{F7DFD592-DA7B-46D0-9953-2366D8EAA8AE}">
-      <dgm:prSet/>
-      <dgm:spPr/>
-      <dgm:t>
-        <a:bodyPr/>
-        <a:lstStyle/>
-        <a:p>
-          <a:endParaRPr lang="en-US"/>
-        </a:p>
-      </dgm:t>
-    </dgm:pt>
-    <dgm:pt modelId="{0E91A010-2F72-42A1-82DE-CD01D951DFD7}" type="sibTrans" cxnId="{F7DFD592-DA7B-46D0-9953-2366D8EAA8AE}">
-      <dgm:prSet/>
-      <dgm:spPr/>
-      <dgm:t>
-        <a:bodyPr/>
-        <a:lstStyle/>
-        <a:p>
-          <a:endParaRPr lang="en-US"/>
-        </a:p>
-      </dgm:t>
-    </dgm:pt>
     <dgm:pt modelId="{80B96AEE-C68D-4E1C-8A8A-ABF1581E6573}">
       <dgm:prSet/>
       <dgm:spPr/>
@@ -1131,112 +1095,88 @@
       </dgm:prSet>
       <dgm:spPr/>
     </dgm:pt>
-    <dgm:pt modelId="{726D58D7-EFDA-4608-B53B-40E2D686CBAD}" type="pres">
-      <dgm:prSet presAssocID="{D323C5C8-5234-48AE-8F63-C14B63AC9C89}" presName="FiveNodes_1" presStyleLbl="node1" presStyleIdx="0" presStyleCnt="5">
+    <dgm:pt modelId="{002C6BF3-F971-447C-B743-11E84F52DA90}" type="pres">
+      <dgm:prSet presAssocID="{D323C5C8-5234-48AE-8F63-C14B63AC9C89}" presName="FourNodes_1" presStyleLbl="node1" presStyleIdx="0" presStyleCnt="4">
         <dgm:presLayoutVars>
           <dgm:bulletEnabled val="1"/>
         </dgm:presLayoutVars>
       </dgm:prSet>
       <dgm:spPr/>
     </dgm:pt>
-    <dgm:pt modelId="{020C33D9-0B1E-40C3-9B8A-906F5B25BAD6}" type="pres">
-      <dgm:prSet presAssocID="{D323C5C8-5234-48AE-8F63-C14B63AC9C89}" presName="FiveNodes_2" presStyleLbl="node1" presStyleIdx="1" presStyleCnt="5">
+    <dgm:pt modelId="{D28A8CC8-0DDC-4567-BB02-F9AD196EC6AC}" type="pres">
+      <dgm:prSet presAssocID="{D323C5C8-5234-48AE-8F63-C14B63AC9C89}" presName="FourNodes_2" presStyleLbl="node1" presStyleIdx="1" presStyleCnt="4">
         <dgm:presLayoutVars>
           <dgm:bulletEnabled val="1"/>
         </dgm:presLayoutVars>
       </dgm:prSet>
       <dgm:spPr/>
     </dgm:pt>
-    <dgm:pt modelId="{62BBA5B5-548F-4F28-A75F-D99B60290B7B}" type="pres">
-      <dgm:prSet presAssocID="{D323C5C8-5234-48AE-8F63-C14B63AC9C89}" presName="FiveNodes_3" presStyleLbl="node1" presStyleIdx="2" presStyleCnt="5">
+    <dgm:pt modelId="{D84C802F-A409-4D56-A450-474DEA24D50C}" type="pres">
+      <dgm:prSet presAssocID="{D323C5C8-5234-48AE-8F63-C14B63AC9C89}" presName="FourNodes_3" presStyleLbl="node1" presStyleIdx="2" presStyleCnt="4">
         <dgm:presLayoutVars>
           <dgm:bulletEnabled val="1"/>
         </dgm:presLayoutVars>
       </dgm:prSet>
       <dgm:spPr/>
     </dgm:pt>
-    <dgm:pt modelId="{2B05D456-D09B-471B-862F-AB0F1CD080A9}" type="pres">
-      <dgm:prSet presAssocID="{D323C5C8-5234-48AE-8F63-C14B63AC9C89}" presName="FiveNodes_4" presStyleLbl="node1" presStyleIdx="3" presStyleCnt="5">
+    <dgm:pt modelId="{B58F7B49-64DD-48DD-BB02-A29B6E36E17F}" type="pres">
+      <dgm:prSet presAssocID="{D323C5C8-5234-48AE-8F63-C14B63AC9C89}" presName="FourNodes_4" presStyleLbl="node1" presStyleIdx="3" presStyleCnt="4">
         <dgm:presLayoutVars>
           <dgm:bulletEnabled val="1"/>
         </dgm:presLayoutVars>
       </dgm:prSet>
       <dgm:spPr/>
     </dgm:pt>
-    <dgm:pt modelId="{99848380-0B88-43F0-850D-E8FF46BD16AA}" type="pres">
-      <dgm:prSet presAssocID="{D323C5C8-5234-48AE-8F63-C14B63AC9C89}" presName="FiveNodes_5" presStyleLbl="node1" presStyleIdx="4" presStyleCnt="5">
+    <dgm:pt modelId="{1726AC7C-1ECC-4E1B-BDD7-622DE7C77966}" type="pres">
+      <dgm:prSet presAssocID="{D323C5C8-5234-48AE-8F63-C14B63AC9C89}" presName="FourConn_1-2" presStyleLbl="fgAccFollowNode1" presStyleIdx="0" presStyleCnt="3">
         <dgm:presLayoutVars>
           <dgm:bulletEnabled val="1"/>
         </dgm:presLayoutVars>
       </dgm:prSet>
       <dgm:spPr/>
     </dgm:pt>
-    <dgm:pt modelId="{A0F751A3-247A-46B8-B3FF-15A9ED113A48}" type="pres">
-      <dgm:prSet presAssocID="{D323C5C8-5234-48AE-8F63-C14B63AC9C89}" presName="FiveConn_1-2" presStyleLbl="fgAccFollowNode1" presStyleIdx="0" presStyleCnt="4">
+    <dgm:pt modelId="{E4DB2396-FD7B-4891-8863-C4020A7D7902}" type="pres">
+      <dgm:prSet presAssocID="{D323C5C8-5234-48AE-8F63-C14B63AC9C89}" presName="FourConn_2-3" presStyleLbl="fgAccFollowNode1" presStyleIdx="1" presStyleCnt="3">
         <dgm:presLayoutVars>
           <dgm:bulletEnabled val="1"/>
         </dgm:presLayoutVars>
       </dgm:prSet>
       <dgm:spPr/>
     </dgm:pt>
-    <dgm:pt modelId="{A4506B2E-298A-4080-9272-EC6F709FBAA0}" type="pres">
-      <dgm:prSet presAssocID="{D323C5C8-5234-48AE-8F63-C14B63AC9C89}" presName="FiveConn_2-3" presStyleLbl="fgAccFollowNode1" presStyleIdx="1" presStyleCnt="4">
+    <dgm:pt modelId="{9D3326A4-7A00-4186-AB1D-6D3ED5ED898C}" type="pres">
+      <dgm:prSet presAssocID="{D323C5C8-5234-48AE-8F63-C14B63AC9C89}" presName="FourConn_3-4" presStyleLbl="fgAccFollowNode1" presStyleIdx="2" presStyleCnt="3">
         <dgm:presLayoutVars>
           <dgm:bulletEnabled val="1"/>
         </dgm:presLayoutVars>
       </dgm:prSet>
       <dgm:spPr/>
     </dgm:pt>
-    <dgm:pt modelId="{FA7FED7A-BF4A-4078-80CC-74A8B0BB597F}" type="pres">
-      <dgm:prSet presAssocID="{D323C5C8-5234-48AE-8F63-C14B63AC9C89}" presName="FiveConn_3-4" presStyleLbl="fgAccFollowNode1" presStyleIdx="2" presStyleCnt="4">
+    <dgm:pt modelId="{3B28DDA5-968C-46C4-ADED-E9D72F073AF1}" type="pres">
+      <dgm:prSet presAssocID="{D323C5C8-5234-48AE-8F63-C14B63AC9C89}" presName="FourNodes_1_text" presStyleLbl="node1" presStyleIdx="3" presStyleCnt="4">
         <dgm:presLayoutVars>
           <dgm:bulletEnabled val="1"/>
         </dgm:presLayoutVars>
       </dgm:prSet>
       <dgm:spPr/>
     </dgm:pt>
-    <dgm:pt modelId="{F121E691-0E0C-4D8E-A9BD-C5C598B388EF}" type="pres">
-      <dgm:prSet presAssocID="{D323C5C8-5234-48AE-8F63-C14B63AC9C89}" presName="FiveConn_4-5" presStyleLbl="fgAccFollowNode1" presStyleIdx="3" presStyleCnt="4">
+    <dgm:pt modelId="{E1791EAB-8920-4CFD-B576-D54BAF38D5AB}" type="pres">
+      <dgm:prSet presAssocID="{D323C5C8-5234-48AE-8F63-C14B63AC9C89}" presName="FourNodes_2_text" presStyleLbl="node1" presStyleIdx="3" presStyleCnt="4">
         <dgm:presLayoutVars>
           <dgm:bulletEnabled val="1"/>
         </dgm:presLayoutVars>
       </dgm:prSet>
       <dgm:spPr/>
     </dgm:pt>
-    <dgm:pt modelId="{CAE93395-0387-48F2-897B-84C4FD240CD1}" type="pres">
-      <dgm:prSet presAssocID="{D323C5C8-5234-48AE-8F63-C14B63AC9C89}" presName="FiveNodes_1_text" presStyleLbl="node1" presStyleIdx="4" presStyleCnt="5">
+    <dgm:pt modelId="{4AD684D9-79C2-4B63-89FF-162F9430E8CD}" type="pres">
+      <dgm:prSet presAssocID="{D323C5C8-5234-48AE-8F63-C14B63AC9C89}" presName="FourNodes_3_text" presStyleLbl="node1" presStyleIdx="3" presStyleCnt="4">
         <dgm:presLayoutVars>
           <dgm:bulletEnabled val="1"/>
         </dgm:presLayoutVars>
       </dgm:prSet>
       <dgm:spPr/>
     </dgm:pt>
-    <dgm:pt modelId="{4DA2BA8F-70A4-4662-B165-62694DA958AF}" type="pres">
-      <dgm:prSet presAssocID="{D323C5C8-5234-48AE-8F63-C14B63AC9C89}" presName="FiveNodes_2_text" presStyleLbl="node1" presStyleIdx="4" presStyleCnt="5">
-        <dgm:presLayoutVars>
-          <dgm:bulletEnabled val="1"/>
-        </dgm:presLayoutVars>
-      </dgm:prSet>
-      <dgm:spPr/>
-    </dgm:pt>
-    <dgm:pt modelId="{FDBA1C1A-5354-4FB5-8631-0D34FB3AA67A}" type="pres">
-      <dgm:prSet presAssocID="{D323C5C8-5234-48AE-8F63-C14B63AC9C89}" presName="FiveNodes_3_text" presStyleLbl="node1" presStyleIdx="4" presStyleCnt="5">
-        <dgm:presLayoutVars>
-          <dgm:bulletEnabled val="1"/>
-        </dgm:presLayoutVars>
-      </dgm:prSet>
-      <dgm:spPr/>
-    </dgm:pt>
-    <dgm:pt modelId="{CB27E9E3-BDC7-4D93-A753-40E4028603BB}" type="pres">
-      <dgm:prSet presAssocID="{D323C5C8-5234-48AE-8F63-C14B63AC9C89}" presName="FiveNodes_4_text" presStyleLbl="node1" presStyleIdx="4" presStyleCnt="5">
-        <dgm:presLayoutVars>
-          <dgm:bulletEnabled val="1"/>
-        </dgm:presLayoutVars>
-      </dgm:prSet>
-      <dgm:spPr/>
-    </dgm:pt>
-    <dgm:pt modelId="{86443930-90BC-4B11-967A-2A6AFE00D664}" type="pres">
-      <dgm:prSet presAssocID="{D323C5C8-5234-48AE-8F63-C14B63AC9C89}" presName="FiveNodes_5_text" presStyleLbl="node1" presStyleIdx="4" presStyleCnt="5">
+    <dgm:pt modelId="{B0664D17-9591-4C23-87E8-0C844A705F3D}" type="pres">
+      <dgm:prSet presAssocID="{D323C5C8-5234-48AE-8F63-C14B63AC9C89}" presName="FourNodes_4_text" presStyleLbl="node1" presStyleIdx="3" presStyleCnt="4">
         <dgm:presLayoutVars>
           <dgm:bulletEnabled val="1"/>
         </dgm:presLayoutVars>
@@ -1245,41 +1185,34 @@
     </dgm:pt>
   </dgm:ptLst>
   <dgm:cxnLst>
-    <dgm:cxn modelId="{27C73822-88BE-4175-8922-4F65BA7F7763}" type="presOf" srcId="{7DB476D5-961C-45B4-9F8A-87F0773020D3}" destId="{A4506B2E-298A-4080-9272-EC6F709FBAA0}" srcOrd="0" destOrd="0" presId="urn:microsoft.com/office/officeart/2005/8/layout/vProcess5"/>
+    <dgm:cxn modelId="{1EA0D801-2AF7-4D97-97C2-AA2A4B1500FF}" type="presOf" srcId="{3851D2CF-F657-49BC-8FFF-76E94AE0BB45}" destId="{3B28DDA5-968C-46C4-ADED-E9D72F073AF1}" srcOrd="1" destOrd="0" presId="urn:microsoft.com/office/officeart/2005/8/layout/vProcess5"/>
+    <dgm:cxn modelId="{CCFF0C03-8A36-4094-B51F-6F35FEE66A13}" type="presOf" srcId="{3A04F65E-F2EE-4961-9F07-ED10F459ED00}" destId="{9D3326A4-7A00-4186-AB1D-6D3ED5ED898C}" srcOrd="0" destOrd="0" presId="urn:microsoft.com/office/officeart/2005/8/layout/vProcess5"/>
+    <dgm:cxn modelId="{2E123D03-18D4-433A-ABC9-2E46FFA301C4}" type="presOf" srcId="{7DB476D5-961C-45B4-9F8A-87F0773020D3}" destId="{E4DB2396-FD7B-4891-8863-C4020A7D7902}" srcOrd="0" destOrd="0" presId="urn:microsoft.com/office/officeart/2005/8/layout/vProcess5"/>
+    <dgm:cxn modelId="{A1434E2F-DB06-4325-9383-1D915D7110CA}" type="presOf" srcId="{27E30A9B-076A-42A3-A309-9F226B0996D3}" destId="{D28A8CC8-0DDC-4567-BB02-F9AD196EC6AC}" srcOrd="0" destOrd="0" presId="urn:microsoft.com/office/officeart/2005/8/layout/vProcess5"/>
     <dgm:cxn modelId="{5729C736-B85E-4744-A7CD-F011EE3D0BA5}" srcId="{D323C5C8-5234-48AE-8F63-C14B63AC9C89}" destId="{27E30A9B-076A-42A3-A309-9F226B0996D3}" srcOrd="1" destOrd="0" parTransId="{EEF5C471-0CE4-4D51-85FB-119CB4F55A42}" sibTransId="{7DB476D5-961C-45B4-9F8A-87F0773020D3}"/>
-    <dgm:cxn modelId="{F21D113D-6091-418F-9C1D-31DC9A583E2D}" type="presOf" srcId="{80B96AEE-C68D-4E1C-8A8A-ABF1581E6573}" destId="{99848380-0B88-43F0-850D-E8FF46BD16AA}" srcOrd="0" destOrd="0" presId="urn:microsoft.com/office/officeart/2005/8/layout/vProcess5"/>
-    <dgm:cxn modelId="{DB4A8868-E480-4CCE-86E0-B69E24458415}" type="presOf" srcId="{27E30A9B-076A-42A3-A309-9F226B0996D3}" destId="{4DA2BA8F-70A4-4662-B165-62694DA958AF}" srcOrd="1" destOrd="0" presId="urn:microsoft.com/office/officeart/2005/8/layout/vProcess5"/>
-    <dgm:cxn modelId="{8DB0B269-D37A-40CC-9EB4-ACFDE6B593E5}" type="presOf" srcId="{3A04F65E-F2EE-4961-9F07-ED10F459ED00}" destId="{FA7FED7A-BF4A-4078-80CC-74A8B0BB597F}" srcOrd="0" destOrd="0" presId="urn:microsoft.com/office/officeart/2005/8/layout/vProcess5"/>
-    <dgm:cxn modelId="{92F35C7E-072A-4ACA-8FC5-9B0A5C32C52E}" type="presOf" srcId="{0E91A010-2F72-42A1-82DE-CD01D951DFD7}" destId="{F121E691-0E0C-4D8E-A9BD-C5C598B388EF}" srcOrd="0" destOrd="0" presId="urn:microsoft.com/office/officeart/2005/8/layout/vProcess5"/>
-    <dgm:cxn modelId="{D4B4EC7F-15D7-44C1-B19A-9F350482300E}" type="presOf" srcId="{9D0DEEC7-35FD-405F-B0E5-AC0177770B78}" destId="{62BBA5B5-548F-4F28-A75F-D99B60290B7B}" srcOrd="0" destOrd="0" presId="urn:microsoft.com/office/officeart/2005/8/layout/vProcess5"/>
-    <dgm:cxn modelId="{F7DFD592-DA7B-46D0-9953-2366D8EAA8AE}" srcId="{D323C5C8-5234-48AE-8F63-C14B63AC9C89}" destId="{D7025E59-0BF3-436B-91E0-0A86C1D7DEF6}" srcOrd="3" destOrd="0" parTransId="{1E506417-0625-40D1-BCE2-5EE35ED93864}" sibTransId="{0E91A010-2F72-42A1-82DE-CD01D951DFD7}"/>
+    <dgm:cxn modelId="{F1BE8B3D-F3A1-434D-9474-7F940EE94A21}" type="presOf" srcId="{80B96AEE-C68D-4E1C-8A8A-ABF1581E6573}" destId="{B58F7B49-64DD-48DD-BB02-A29B6E36E17F}" srcOrd="0" destOrd="0" presId="urn:microsoft.com/office/officeart/2005/8/layout/vProcess5"/>
+    <dgm:cxn modelId="{4D98F86D-0B7F-491A-9D36-1636307F9B60}" type="presOf" srcId="{3851D2CF-F657-49BC-8FFF-76E94AE0BB45}" destId="{002C6BF3-F971-447C-B743-11E84F52DA90}" srcOrd="0" destOrd="0" presId="urn:microsoft.com/office/officeart/2005/8/layout/vProcess5"/>
+    <dgm:cxn modelId="{B1209158-E2B3-4889-A6BB-137B20BBA085}" type="presOf" srcId="{04F33F87-484D-4099-8B4C-96F3228640B6}" destId="{1726AC7C-1ECC-4E1B-BDD7-622DE7C77966}" srcOrd="0" destOrd="0" presId="urn:microsoft.com/office/officeart/2005/8/layout/vProcess5"/>
     <dgm:cxn modelId="{6020BEA1-DA46-4303-8138-E2E4C8D93941}" type="presOf" srcId="{D323C5C8-5234-48AE-8F63-C14B63AC9C89}" destId="{C59B863D-17BF-423F-B896-D9F0FED4459C}" srcOrd="0" destOrd="0" presId="urn:microsoft.com/office/officeart/2005/8/layout/vProcess5"/>
-    <dgm:cxn modelId="{01657BA2-8884-4869-9DDA-3AAB0C3A7F71}" type="presOf" srcId="{04F33F87-484D-4099-8B4C-96F3228640B6}" destId="{A0F751A3-247A-46B8-B3FF-15A9ED113A48}" srcOrd="0" destOrd="0" presId="urn:microsoft.com/office/officeart/2005/8/layout/vProcess5"/>
-    <dgm:cxn modelId="{3F83FFB5-DD9B-44A6-8FCD-8EE34DEC1878}" type="presOf" srcId="{D7025E59-0BF3-436B-91E0-0A86C1D7DEF6}" destId="{2B05D456-D09B-471B-862F-AB0F1CD080A9}" srcOrd="0" destOrd="0" presId="urn:microsoft.com/office/officeart/2005/8/layout/vProcess5"/>
-    <dgm:cxn modelId="{A2F904BD-3D9A-43B1-A4B7-BF1E145C9E43}" type="presOf" srcId="{3851D2CF-F657-49BC-8FFF-76E94AE0BB45}" destId="{CAE93395-0387-48F2-897B-84C4FD240CD1}" srcOrd="1" destOrd="0" presId="urn:microsoft.com/office/officeart/2005/8/layout/vProcess5"/>
-    <dgm:cxn modelId="{B9D0E5CD-3BF5-4B84-99D8-5A7773C93A51}" type="presOf" srcId="{9D0DEEC7-35FD-405F-B0E5-AC0177770B78}" destId="{FDBA1C1A-5354-4FB5-8631-0D34FB3AA67A}" srcOrd="1" destOrd="0" presId="urn:microsoft.com/office/officeart/2005/8/layout/vProcess5"/>
-    <dgm:cxn modelId="{E58297D4-0007-4D26-855F-14143B6D2CD4}" type="presOf" srcId="{3851D2CF-F657-49BC-8FFF-76E94AE0BB45}" destId="{726D58D7-EFDA-4608-B53B-40E2D686CBAD}" srcOrd="0" destOrd="0" presId="urn:microsoft.com/office/officeart/2005/8/layout/vProcess5"/>
-    <dgm:cxn modelId="{D72364DE-AB7A-4291-8722-04AFDF56B76E}" srcId="{D323C5C8-5234-48AE-8F63-C14B63AC9C89}" destId="{80B96AEE-C68D-4E1C-8A8A-ABF1581E6573}" srcOrd="4" destOrd="0" parTransId="{6222E4B3-A154-4E51-9141-D1139EBEFADC}" sibTransId="{01C4F42B-A1FA-4A70-A160-E5750BC3ADB9}"/>
+    <dgm:cxn modelId="{D72364DE-AB7A-4291-8722-04AFDF56B76E}" srcId="{D323C5C8-5234-48AE-8F63-C14B63AC9C89}" destId="{80B96AEE-C68D-4E1C-8A8A-ABF1581E6573}" srcOrd="3" destOrd="0" parTransId="{6222E4B3-A154-4E51-9141-D1139EBEFADC}" sibTransId="{01C4F42B-A1FA-4A70-A160-E5750BC3ADB9}"/>
+    <dgm:cxn modelId="{4F60B4E4-99C7-4B5E-A7D0-9F0064CA3AA1}" type="presOf" srcId="{27E30A9B-076A-42A3-A309-9F226B0996D3}" destId="{E1791EAB-8920-4CFD-B576-D54BAF38D5AB}" srcOrd="1" destOrd="0" presId="urn:microsoft.com/office/officeart/2005/8/layout/vProcess5"/>
+    <dgm:cxn modelId="{2BA92CE5-BBD0-4DD7-957B-F20A6EFF89B9}" type="presOf" srcId="{9D0DEEC7-35FD-405F-B0E5-AC0177770B78}" destId="{D84C802F-A409-4D56-A450-474DEA24D50C}" srcOrd="0" destOrd="0" presId="urn:microsoft.com/office/officeart/2005/8/layout/vProcess5"/>
     <dgm:cxn modelId="{A952CEE9-FE69-4B2A-B40A-D1F60CD1A591}" srcId="{D323C5C8-5234-48AE-8F63-C14B63AC9C89}" destId="{3851D2CF-F657-49BC-8FFF-76E94AE0BB45}" srcOrd="0" destOrd="0" parTransId="{2C0E9CC3-5360-45A3-A391-2DB484672D4B}" sibTransId="{04F33F87-484D-4099-8B4C-96F3228640B6}"/>
-    <dgm:cxn modelId="{B4E2BFEA-12E9-452D-9DB4-A95FBE8E0018}" type="presOf" srcId="{27E30A9B-076A-42A3-A309-9F226B0996D3}" destId="{020C33D9-0B1E-40C3-9B8A-906F5B25BAD6}" srcOrd="0" destOrd="0" presId="urn:microsoft.com/office/officeart/2005/8/layout/vProcess5"/>
-    <dgm:cxn modelId="{154613F2-B55B-4C0A-A76A-200280624791}" type="presOf" srcId="{80B96AEE-C68D-4E1C-8A8A-ABF1581E6573}" destId="{86443930-90BC-4B11-967A-2A6AFE00D664}" srcOrd="1" destOrd="0" presId="urn:microsoft.com/office/officeart/2005/8/layout/vProcess5"/>
+    <dgm:cxn modelId="{11A120EC-E7F6-452D-8C76-4EF32074729A}" type="presOf" srcId="{9D0DEEC7-35FD-405F-B0E5-AC0177770B78}" destId="{4AD684D9-79C2-4B63-89FF-162F9430E8CD}" srcOrd="1" destOrd="0" presId="urn:microsoft.com/office/officeart/2005/8/layout/vProcess5"/>
     <dgm:cxn modelId="{C2865DF5-9C96-48FD-A20A-F68C56FF142C}" srcId="{D323C5C8-5234-48AE-8F63-C14B63AC9C89}" destId="{9D0DEEC7-35FD-405F-B0E5-AC0177770B78}" srcOrd="2" destOrd="0" parTransId="{7515FD74-7763-4FAB-8C5C-7D0D6DB7D535}" sibTransId="{3A04F65E-F2EE-4961-9F07-ED10F459ED00}"/>
-    <dgm:cxn modelId="{87A164FD-D63B-4999-95FE-B6941D4248AA}" type="presOf" srcId="{D7025E59-0BF3-436B-91E0-0A86C1D7DEF6}" destId="{CB27E9E3-BDC7-4D93-A753-40E4028603BB}" srcOrd="1" destOrd="0" presId="urn:microsoft.com/office/officeart/2005/8/layout/vProcess5"/>
+    <dgm:cxn modelId="{29F097FE-1C07-4586-B6EB-D464B07133FD}" type="presOf" srcId="{80B96AEE-C68D-4E1C-8A8A-ABF1581E6573}" destId="{B0664D17-9591-4C23-87E8-0C844A705F3D}" srcOrd="1" destOrd="0" presId="urn:microsoft.com/office/officeart/2005/8/layout/vProcess5"/>
     <dgm:cxn modelId="{E1B5AF62-A9F0-4449-BB3E-FFA74296D5A9}" type="presParOf" srcId="{C59B863D-17BF-423F-B896-D9F0FED4459C}" destId="{317A748C-9A45-4253-9567-228365216038}" srcOrd="0" destOrd="0" presId="urn:microsoft.com/office/officeart/2005/8/layout/vProcess5"/>
-    <dgm:cxn modelId="{7723EF23-A621-45BE-B358-B211C3198061}" type="presParOf" srcId="{C59B863D-17BF-423F-B896-D9F0FED4459C}" destId="{726D58D7-EFDA-4608-B53B-40E2D686CBAD}" srcOrd="1" destOrd="0" presId="urn:microsoft.com/office/officeart/2005/8/layout/vProcess5"/>
-    <dgm:cxn modelId="{DEBB120D-2204-476A-8F69-399D4BE43852}" type="presParOf" srcId="{C59B863D-17BF-423F-B896-D9F0FED4459C}" destId="{020C33D9-0B1E-40C3-9B8A-906F5B25BAD6}" srcOrd="2" destOrd="0" presId="urn:microsoft.com/office/officeart/2005/8/layout/vProcess5"/>
-    <dgm:cxn modelId="{A9F81CC0-9214-4552-913C-AF386D50BBE2}" type="presParOf" srcId="{C59B863D-17BF-423F-B896-D9F0FED4459C}" destId="{62BBA5B5-548F-4F28-A75F-D99B60290B7B}" srcOrd="3" destOrd="0" presId="urn:microsoft.com/office/officeart/2005/8/layout/vProcess5"/>
-    <dgm:cxn modelId="{B01BC1E2-0C12-4EB9-A263-1BDBE583A867}" type="presParOf" srcId="{C59B863D-17BF-423F-B896-D9F0FED4459C}" destId="{2B05D456-D09B-471B-862F-AB0F1CD080A9}" srcOrd="4" destOrd="0" presId="urn:microsoft.com/office/officeart/2005/8/layout/vProcess5"/>
-    <dgm:cxn modelId="{778C5332-68D8-4FDC-A291-3F7B3A82841B}" type="presParOf" srcId="{C59B863D-17BF-423F-B896-D9F0FED4459C}" destId="{99848380-0B88-43F0-850D-E8FF46BD16AA}" srcOrd="5" destOrd="0" presId="urn:microsoft.com/office/officeart/2005/8/layout/vProcess5"/>
-    <dgm:cxn modelId="{C857B851-4566-457E-879D-414062AAFF0D}" type="presParOf" srcId="{C59B863D-17BF-423F-B896-D9F0FED4459C}" destId="{A0F751A3-247A-46B8-B3FF-15A9ED113A48}" srcOrd="6" destOrd="0" presId="urn:microsoft.com/office/officeart/2005/8/layout/vProcess5"/>
-    <dgm:cxn modelId="{51919DF2-A5C7-4310-B995-2EF9DFFA71C6}" type="presParOf" srcId="{C59B863D-17BF-423F-B896-D9F0FED4459C}" destId="{A4506B2E-298A-4080-9272-EC6F709FBAA0}" srcOrd="7" destOrd="0" presId="urn:microsoft.com/office/officeart/2005/8/layout/vProcess5"/>
-    <dgm:cxn modelId="{B421CBD0-E9EF-44FF-B4A6-AF312BA7F9CD}" type="presParOf" srcId="{C59B863D-17BF-423F-B896-D9F0FED4459C}" destId="{FA7FED7A-BF4A-4078-80CC-74A8B0BB597F}" srcOrd="8" destOrd="0" presId="urn:microsoft.com/office/officeart/2005/8/layout/vProcess5"/>
-    <dgm:cxn modelId="{B2C94F93-573D-481E-B4EC-90B0E69E3B9F}" type="presParOf" srcId="{C59B863D-17BF-423F-B896-D9F0FED4459C}" destId="{F121E691-0E0C-4D8E-A9BD-C5C598B388EF}" srcOrd="9" destOrd="0" presId="urn:microsoft.com/office/officeart/2005/8/layout/vProcess5"/>
-    <dgm:cxn modelId="{70D819E2-FA17-4622-8355-13EAF0F09907}" type="presParOf" srcId="{C59B863D-17BF-423F-B896-D9F0FED4459C}" destId="{CAE93395-0387-48F2-897B-84C4FD240CD1}" srcOrd="10" destOrd="0" presId="urn:microsoft.com/office/officeart/2005/8/layout/vProcess5"/>
-    <dgm:cxn modelId="{5AAC70D3-EFA8-4F2D-8C21-20C7DEE3A27A}" type="presParOf" srcId="{C59B863D-17BF-423F-B896-D9F0FED4459C}" destId="{4DA2BA8F-70A4-4662-B165-62694DA958AF}" srcOrd="11" destOrd="0" presId="urn:microsoft.com/office/officeart/2005/8/layout/vProcess5"/>
-    <dgm:cxn modelId="{6D444BB9-D280-44F9-A803-C67D138F3F7F}" type="presParOf" srcId="{C59B863D-17BF-423F-B896-D9F0FED4459C}" destId="{FDBA1C1A-5354-4FB5-8631-0D34FB3AA67A}" srcOrd="12" destOrd="0" presId="urn:microsoft.com/office/officeart/2005/8/layout/vProcess5"/>
-    <dgm:cxn modelId="{B0C1005B-FB48-4BF9-9603-543F6D412233}" type="presParOf" srcId="{C59B863D-17BF-423F-B896-D9F0FED4459C}" destId="{CB27E9E3-BDC7-4D93-A753-40E4028603BB}" srcOrd="13" destOrd="0" presId="urn:microsoft.com/office/officeart/2005/8/layout/vProcess5"/>
-    <dgm:cxn modelId="{F1B63473-4788-45DB-901F-FCB929B59210}" type="presParOf" srcId="{C59B863D-17BF-423F-B896-D9F0FED4459C}" destId="{86443930-90BC-4B11-967A-2A6AFE00D664}" srcOrd="14" destOrd="0" presId="urn:microsoft.com/office/officeart/2005/8/layout/vProcess5"/>
+    <dgm:cxn modelId="{AE1E7D5D-A4A6-485F-9DA1-07DBB9D65267}" type="presParOf" srcId="{C59B863D-17BF-423F-B896-D9F0FED4459C}" destId="{002C6BF3-F971-447C-B743-11E84F52DA90}" srcOrd="1" destOrd="0" presId="urn:microsoft.com/office/officeart/2005/8/layout/vProcess5"/>
+    <dgm:cxn modelId="{64957CA7-A841-4AEA-B5EC-29CDAC9FB7A7}" type="presParOf" srcId="{C59B863D-17BF-423F-B896-D9F0FED4459C}" destId="{D28A8CC8-0DDC-4567-BB02-F9AD196EC6AC}" srcOrd="2" destOrd="0" presId="urn:microsoft.com/office/officeart/2005/8/layout/vProcess5"/>
+    <dgm:cxn modelId="{5FF2E22B-702B-4FAF-A440-DB3F88076406}" type="presParOf" srcId="{C59B863D-17BF-423F-B896-D9F0FED4459C}" destId="{D84C802F-A409-4D56-A450-474DEA24D50C}" srcOrd="3" destOrd="0" presId="urn:microsoft.com/office/officeart/2005/8/layout/vProcess5"/>
+    <dgm:cxn modelId="{0A9421D5-E480-4A2D-A2F4-B39CACEBA16B}" type="presParOf" srcId="{C59B863D-17BF-423F-B896-D9F0FED4459C}" destId="{B58F7B49-64DD-48DD-BB02-A29B6E36E17F}" srcOrd="4" destOrd="0" presId="urn:microsoft.com/office/officeart/2005/8/layout/vProcess5"/>
+    <dgm:cxn modelId="{A34B7268-197D-44CF-94C4-7B86AAE76188}" type="presParOf" srcId="{C59B863D-17BF-423F-B896-D9F0FED4459C}" destId="{1726AC7C-1ECC-4E1B-BDD7-622DE7C77966}" srcOrd="5" destOrd="0" presId="urn:microsoft.com/office/officeart/2005/8/layout/vProcess5"/>
+    <dgm:cxn modelId="{4FFD8F4F-D584-4C9B-ABA3-BC1B832FA52A}" type="presParOf" srcId="{C59B863D-17BF-423F-B896-D9F0FED4459C}" destId="{E4DB2396-FD7B-4891-8863-C4020A7D7902}" srcOrd="6" destOrd="0" presId="urn:microsoft.com/office/officeart/2005/8/layout/vProcess5"/>
+    <dgm:cxn modelId="{1FFFCB71-C765-4536-B8D9-BC3EC75AAEB2}" type="presParOf" srcId="{C59B863D-17BF-423F-B896-D9F0FED4459C}" destId="{9D3326A4-7A00-4186-AB1D-6D3ED5ED898C}" srcOrd="7" destOrd="0" presId="urn:microsoft.com/office/officeart/2005/8/layout/vProcess5"/>
+    <dgm:cxn modelId="{4B7061FC-FBEF-4736-B74C-740A508A0FD2}" type="presParOf" srcId="{C59B863D-17BF-423F-B896-D9F0FED4459C}" destId="{3B28DDA5-968C-46C4-ADED-E9D72F073AF1}" srcOrd="8" destOrd="0" presId="urn:microsoft.com/office/officeart/2005/8/layout/vProcess5"/>
+    <dgm:cxn modelId="{A3E179B6-148D-4E3C-B7B9-6F54A13B2273}" type="presParOf" srcId="{C59B863D-17BF-423F-B896-D9F0FED4459C}" destId="{E1791EAB-8920-4CFD-B576-D54BAF38D5AB}" srcOrd="9" destOrd="0" presId="urn:microsoft.com/office/officeart/2005/8/layout/vProcess5"/>
+    <dgm:cxn modelId="{E923CD7C-9A03-44D5-8CED-9615D2C8BC93}" type="presParOf" srcId="{C59B863D-17BF-423F-B896-D9F0FED4459C}" destId="{4AD684D9-79C2-4B63-89FF-162F9430E8CD}" srcOrd="10" destOrd="0" presId="urn:microsoft.com/office/officeart/2005/8/layout/vProcess5"/>
+    <dgm:cxn modelId="{B37AF4D3-CA80-46EA-BB5F-622C0F96B406}" type="presParOf" srcId="{C59B863D-17BF-423F-B896-D9F0FED4459C}" destId="{B0664D17-9591-4C23-87E8-0C844A705F3D}" srcOrd="11" destOrd="0" presId="urn:microsoft.com/office/officeart/2005/8/layout/vProcess5"/>
   </dgm:cxnLst>
   <dgm:bg/>
   <dgm:whole/>
@@ -1299,7 +1232,7 @@
       <dsp:cNvGrpSpPr/>
     </dsp:nvGrpSpPr>
     <dsp:grpSpPr/>
-    <dsp:sp modelId="{726D58D7-EFDA-4608-B53B-40E2D686CBAD}">
+    <dsp:sp modelId="{002C6BF3-F971-447C-B743-11E84F52DA90}">
       <dsp:nvSpPr>
         <dsp:cNvPr id="0" name=""/>
         <dsp:cNvSpPr/>
@@ -1307,7 +1240,7 @@
       <dsp:spPr>
         <a:xfrm>
           <a:off x="0" y="0"/>
-          <a:ext cx="4689030" cy="1002982"/>
+          <a:ext cx="4871720" cy="1225867"/>
         </a:xfrm>
         <a:prstGeom prst="roundRect">
           <a:avLst>
@@ -1372,12 +1305,12 @@
         </a:fontRef>
       </dsp:style>
       <dsp:txBody>
-        <a:bodyPr spcFirstLastPara="0" vert="horz" wrap="square" lIns="53340" tIns="53340" rIns="53340" bIns="53340" numCol="1" spcCol="1270" anchor="ctr" anchorCtr="0">
+        <a:bodyPr spcFirstLastPara="0" vert="horz" wrap="square" lIns="68580" tIns="68580" rIns="68580" bIns="68580" numCol="1" spcCol="1270" anchor="ctr" anchorCtr="0">
           <a:noAutofit/>
         </a:bodyPr>
         <a:lstStyle/>
         <a:p>
-          <a:pPr marL="0" lvl="0" indent="0" algn="l" defTabSz="622300">
+          <a:pPr marL="0" lvl="0" indent="0" algn="l" defTabSz="800100">
             <a:lnSpc>
               <a:spcPct val="90000"/>
             </a:lnSpc>
@@ -1390,25 +1323,25 @@
             <a:buNone/>
           </a:pPr>
           <a:r>
-            <a:rPr lang="en-US" sz="1400" kern="1200"/>
+            <a:rPr lang="en-US" sz="1800" kern="1200"/>
             <a:t>The user will select parameters from drop down menus to create a list of appropriate date night selections</a:t>
           </a:r>
         </a:p>
       </dsp:txBody>
       <dsp:txXfrm>
-        <a:off x="29376" y="29376"/>
-        <a:ext cx="3489385" cy="944230"/>
+        <a:off x="35904" y="35904"/>
+        <a:ext cx="3445328" cy="1154059"/>
       </dsp:txXfrm>
     </dsp:sp>
-    <dsp:sp modelId="{020C33D9-0B1E-40C3-9B8A-906F5B25BAD6}">
+    <dsp:sp modelId="{D28A8CC8-0DDC-4567-BB02-F9AD196EC6AC}">
       <dsp:nvSpPr>
         <dsp:cNvPr id="0" name=""/>
         <dsp:cNvSpPr/>
       </dsp:nvSpPr>
       <dsp:spPr>
         <a:xfrm>
-          <a:off x="350154" y="1142285"/>
-          <a:ext cx="4689030" cy="1002982"/>
+          <a:off x="408006" y="1448752"/>
+          <a:ext cx="4871720" cy="1225867"/>
         </a:xfrm>
         <a:prstGeom prst="roundRect">
           <a:avLst>
@@ -1473,12 +1406,12 @@
         </a:fontRef>
       </dsp:style>
       <dsp:txBody>
-        <a:bodyPr spcFirstLastPara="0" vert="horz" wrap="square" lIns="53340" tIns="53340" rIns="53340" bIns="53340" numCol="1" spcCol="1270" anchor="ctr" anchorCtr="0">
+        <a:bodyPr spcFirstLastPara="0" vert="horz" wrap="square" lIns="68580" tIns="68580" rIns="68580" bIns="68580" numCol="1" spcCol="1270" anchor="ctr" anchorCtr="0">
           <a:noAutofit/>
         </a:bodyPr>
         <a:lstStyle/>
         <a:p>
-          <a:pPr marL="0" lvl="0" indent="0" algn="l" defTabSz="622300">
+          <a:pPr marL="0" lvl="0" indent="0" algn="l" defTabSz="800100">
             <a:lnSpc>
               <a:spcPct val="90000"/>
             </a:lnSpc>
@@ -1491,25 +1424,25 @@
             <a:buNone/>
           </a:pPr>
           <a:r>
-            <a:rPr lang="en-US" sz="1400" kern="1200"/>
+            <a:rPr lang="en-US" sz="1800" kern="1200"/>
             <a:t>The user will be able to specify time of day, price, activity, and zip code.</a:t>
           </a:r>
         </a:p>
       </dsp:txBody>
       <dsp:txXfrm>
-        <a:off x="379530" y="1171661"/>
-        <a:ext cx="3628184" cy="944230"/>
+        <a:off x="443910" y="1484656"/>
+        <a:ext cx="3595091" cy="1154059"/>
       </dsp:txXfrm>
     </dsp:sp>
-    <dsp:sp modelId="{62BBA5B5-548F-4F28-A75F-D99B60290B7B}">
+    <dsp:sp modelId="{D84C802F-A409-4D56-A450-474DEA24D50C}">
       <dsp:nvSpPr>
         <dsp:cNvPr id="0" name=""/>
         <dsp:cNvSpPr/>
       </dsp:nvSpPr>
       <dsp:spPr>
         <a:xfrm>
-          <a:off x="700309" y="2284571"/>
-          <a:ext cx="4689030" cy="1002982"/>
+          <a:off x="809923" y="2897505"/>
+          <a:ext cx="4871720" cy="1225867"/>
         </a:xfrm>
         <a:prstGeom prst="roundRect">
           <a:avLst>
@@ -1574,12 +1507,12 @@
         </a:fontRef>
       </dsp:style>
       <dsp:txBody>
-        <a:bodyPr spcFirstLastPara="0" vert="horz" wrap="square" lIns="53340" tIns="53340" rIns="53340" bIns="53340" numCol="1" spcCol="1270" anchor="ctr" anchorCtr="0">
+        <a:bodyPr spcFirstLastPara="0" vert="horz" wrap="square" lIns="68580" tIns="68580" rIns="68580" bIns="68580" numCol="1" spcCol="1270" anchor="ctr" anchorCtr="0">
           <a:noAutofit/>
         </a:bodyPr>
         <a:lstStyle/>
         <a:p>
-          <a:pPr marL="0" lvl="0" indent="0" algn="l" defTabSz="622300">
+          <a:pPr marL="0" lvl="0" indent="0" algn="l" defTabSz="800100">
             <a:lnSpc>
               <a:spcPct val="90000"/>
             </a:lnSpc>
@@ -1592,25 +1525,25 @@
             <a:buNone/>
           </a:pPr>
           <a:r>
-            <a:rPr lang="en-US" sz="1400" kern="1200"/>
+            <a:rPr lang="en-US" sz="1800" kern="1200"/>
             <a:t>The chosen parameters (not all need to be selected) will enable the user to personalize the date</a:t>
           </a:r>
         </a:p>
       </dsp:txBody>
       <dsp:txXfrm>
-        <a:off x="729685" y="2313947"/>
-        <a:ext cx="3628185" cy="944230"/>
+        <a:off x="845827" y="2933409"/>
+        <a:ext cx="3601181" cy="1154059"/>
       </dsp:txXfrm>
     </dsp:sp>
-    <dsp:sp modelId="{2B05D456-D09B-471B-862F-AB0F1CD080A9}">
+    <dsp:sp modelId="{B58F7B49-64DD-48DD-BB02-A29B6E36E17F}">
       <dsp:nvSpPr>
         <dsp:cNvPr id="0" name=""/>
         <dsp:cNvSpPr/>
       </dsp:nvSpPr>
       <dsp:spPr>
         <a:xfrm>
-          <a:off x="1050464" y="3426856"/>
-          <a:ext cx="4689030" cy="1002982"/>
+          <a:off x="1217929" y="4346257"/>
+          <a:ext cx="4871720" cy="1225867"/>
         </a:xfrm>
         <a:prstGeom prst="roundRect">
           <a:avLst>
@@ -1675,12 +1608,12 @@
         </a:fontRef>
       </dsp:style>
       <dsp:txBody>
-        <a:bodyPr spcFirstLastPara="0" vert="horz" wrap="square" lIns="53340" tIns="53340" rIns="53340" bIns="53340" numCol="1" spcCol="1270" anchor="ctr" anchorCtr="0">
+        <a:bodyPr spcFirstLastPara="0" vert="horz" wrap="square" lIns="68580" tIns="68580" rIns="68580" bIns="68580" numCol="1" spcCol="1270" anchor="ctr" anchorCtr="0">
           <a:noAutofit/>
         </a:bodyPr>
         <a:lstStyle/>
         <a:p>
-          <a:pPr marL="0" lvl="0" indent="0" algn="l" defTabSz="622300">
+          <a:pPr marL="0" lvl="0" indent="0" algn="l" defTabSz="800100">
             <a:lnSpc>
               <a:spcPct val="90000"/>
             </a:lnSpc>
@@ -1693,126 +1626,25 @@
             <a:buNone/>
           </a:pPr>
           <a:r>
-            <a:rPr lang="en-US" sz="1400" kern="1200"/>
-            <a:t>Adding a bit of quirkiness, the user can throw caution to the wind and choose to spin a roulette wheel with a random combination of parameters</a:t>
+            <a:rPr lang="en-US" sz="1800" kern="1200"/>
+            <a:t>The User will be able to view the results in table format, set up an escape plan, and have access to several links to facilitate his /her date</a:t>
           </a:r>
         </a:p>
       </dsp:txBody>
       <dsp:txXfrm>
-        <a:off x="1079840" y="3456232"/>
-        <a:ext cx="3628184" cy="944230"/>
+        <a:off x="1253833" y="4382161"/>
+        <a:ext cx="3595091" cy="1154059"/>
       </dsp:txXfrm>
     </dsp:sp>
-    <dsp:sp modelId="{99848380-0B88-43F0-850D-E8FF46BD16AA}">
+    <dsp:sp modelId="{1726AC7C-1ECC-4E1B-BDD7-622DE7C77966}">
       <dsp:nvSpPr>
         <dsp:cNvPr id="0" name=""/>
         <dsp:cNvSpPr/>
       </dsp:nvSpPr>
       <dsp:spPr>
         <a:xfrm>
-          <a:off x="1400619" y="4569142"/>
-          <a:ext cx="4689030" cy="1002982"/>
-        </a:xfrm>
-        <a:prstGeom prst="roundRect">
-          <a:avLst>
-            <a:gd name="adj" fmla="val 10000"/>
-          </a:avLst>
-        </a:prstGeom>
-        <a:gradFill rotWithShape="0">
-          <a:gsLst>
-            <a:gs pos="0">
-              <a:schemeClr val="lt1">
-                <a:hueOff val="0"/>
-                <a:satOff val="0"/>
-                <a:lumOff val="0"/>
-                <a:alphaOff val="0"/>
-                <a:satMod val="103000"/>
-                <a:lumMod val="102000"/>
-                <a:tint val="94000"/>
-              </a:schemeClr>
-            </a:gs>
-            <a:gs pos="50000">
-              <a:schemeClr val="lt1">
-                <a:hueOff val="0"/>
-                <a:satOff val="0"/>
-                <a:lumOff val="0"/>
-                <a:alphaOff val="0"/>
-                <a:satMod val="110000"/>
-                <a:lumMod val="100000"/>
-                <a:shade val="100000"/>
-              </a:schemeClr>
-            </a:gs>
-            <a:gs pos="100000">
-              <a:schemeClr val="lt1">
-                <a:hueOff val="0"/>
-                <a:satOff val="0"/>
-                <a:lumOff val="0"/>
-                <a:alphaOff val="0"/>
-                <a:lumMod val="99000"/>
-                <a:satMod val="120000"/>
-                <a:shade val="78000"/>
-              </a:schemeClr>
-            </a:gs>
-          </a:gsLst>
-          <a:lin ang="5400000" scaled="0"/>
-        </a:gradFill>
-        <a:ln>
-          <a:noFill/>
-        </a:ln>
-        <a:effectLst/>
-      </dsp:spPr>
-      <dsp:style>
-        <a:lnRef idx="0">
-          <a:scrgbClr r="0" g="0" b="0"/>
-        </a:lnRef>
-        <a:fillRef idx="3">
-          <a:scrgbClr r="0" g="0" b="0"/>
-        </a:fillRef>
-        <a:effectRef idx="2">
-          <a:scrgbClr r="0" g="0" b="0"/>
-        </a:effectRef>
-        <a:fontRef idx="minor">
-          <a:schemeClr val="lt1"/>
-        </a:fontRef>
-      </dsp:style>
-      <dsp:txBody>
-        <a:bodyPr spcFirstLastPara="0" vert="horz" wrap="square" lIns="53340" tIns="53340" rIns="53340" bIns="53340" numCol="1" spcCol="1270" anchor="ctr" anchorCtr="0">
-          <a:noAutofit/>
-        </a:bodyPr>
-        <a:lstStyle/>
-        <a:p>
-          <a:pPr marL="0" lvl="0" indent="0" algn="l" defTabSz="622300">
-            <a:lnSpc>
-              <a:spcPct val="90000"/>
-            </a:lnSpc>
-            <a:spcBef>
-              <a:spcPct val="0"/>
-            </a:spcBef>
-            <a:spcAft>
-              <a:spcPct val="35000"/>
-            </a:spcAft>
-            <a:buNone/>
-          </a:pPr>
-          <a:r>
-            <a:rPr lang="en-US" sz="1400" kern="1200"/>
-            <a:t>The User will be able to view the results in table format, set up an escape plan, and have access to several links to facilitate his /her date</a:t>
-          </a:r>
-        </a:p>
-      </dsp:txBody>
-      <dsp:txXfrm>
-        <a:off x="1429995" y="4598518"/>
-        <a:ext cx="3628184" cy="944230"/>
-      </dsp:txXfrm>
-    </dsp:sp>
-    <dsp:sp modelId="{A0F751A3-247A-46B8-B3FF-15A9ED113A48}">
-      <dsp:nvSpPr>
-        <dsp:cNvPr id="0" name=""/>
-        <dsp:cNvSpPr/>
-      </dsp:nvSpPr>
-      <dsp:spPr>
-        <a:xfrm>
-          <a:off x="4037091" y="732734"/>
-          <a:ext cx="651938" cy="651938"/>
+          <a:off x="4074906" y="938903"/>
+          <a:ext cx="796813" cy="796813"/>
         </a:xfrm>
         <a:prstGeom prst="downArrow">
           <a:avLst>
@@ -1858,12 +1690,12 @@
         <a:fontRef idx="minor"/>
       </dsp:style>
       <dsp:txBody>
-        <a:bodyPr spcFirstLastPara="0" vert="horz" wrap="square" lIns="36830" tIns="36830" rIns="36830" bIns="36830" numCol="1" spcCol="1270" anchor="ctr" anchorCtr="0">
+        <a:bodyPr spcFirstLastPara="0" vert="horz" wrap="square" lIns="45720" tIns="45720" rIns="45720" bIns="45720" numCol="1" spcCol="1270" anchor="ctr" anchorCtr="0">
           <a:noAutofit/>
         </a:bodyPr>
         <a:lstStyle/>
         <a:p>
-          <a:pPr marL="0" lvl="0" indent="0" algn="ctr" defTabSz="1289050">
+          <a:pPr marL="0" lvl="0" indent="0" algn="ctr" defTabSz="1600200">
             <a:lnSpc>
               <a:spcPct val="90000"/>
             </a:lnSpc>
@@ -1875,23 +1707,23 @@
             </a:spcAft>
             <a:buNone/>
           </a:pPr>
-          <a:endParaRPr lang="en-US" sz="2900" kern="1200"/>
+          <a:endParaRPr lang="en-US" sz="3600" kern="1200"/>
         </a:p>
       </dsp:txBody>
       <dsp:txXfrm>
-        <a:off x="4183777" y="732734"/>
-        <a:ext cx="358566" cy="490583"/>
+        <a:off x="4254189" y="938903"/>
+        <a:ext cx="438247" cy="599602"/>
       </dsp:txXfrm>
     </dsp:sp>
-    <dsp:sp modelId="{A4506B2E-298A-4080-9272-EC6F709FBAA0}">
+    <dsp:sp modelId="{E4DB2396-FD7B-4891-8863-C4020A7D7902}">
       <dsp:nvSpPr>
         <dsp:cNvPr id="0" name=""/>
         <dsp:cNvSpPr/>
       </dsp:nvSpPr>
       <dsp:spPr>
         <a:xfrm>
-          <a:off x="4387246" y="1875020"/>
-          <a:ext cx="651938" cy="651938"/>
+          <a:off x="4482912" y="2387655"/>
+          <a:ext cx="796813" cy="796813"/>
         </a:xfrm>
         <a:prstGeom prst="downArrow">
           <a:avLst>
@@ -1937,12 +1769,12 @@
         <a:fontRef idx="minor"/>
       </dsp:style>
       <dsp:txBody>
-        <a:bodyPr spcFirstLastPara="0" vert="horz" wrap="square" lIns="36830" tIns="36830" rIns="36830" bIns="36830" numCol="1" spcCol="1270" anchor="ctr" anchorCtr="0">
+        <a:bodyPr spcFirstLastPara="0" vert="horz" wrap="square" lIns="45720" tIns="45720" rIns="45720" bIns="45720" numCol="1" spcCol="1270" anchor="ctr" anchorCtr="0">
           <a:noAutofit/>
         </a:bodyPr>
         <a:lstStyle/>
         <a:p>
-          <a:pPr marL="0" lvl="0" indent="0" algn="ctr" defTabSz="1289050">
+          <a:pPr marL="0" lvl="0" indent="0" algn="ctr" defTabSz="1600200">
             <a:lnSpc>
               <a:spcPct val="90000"/>
             </a:lnSpc>
@@ -1954,23 +1786,23 @@
             </a:spcAft>
             <a:buNone/>
           </a:pPr>
-          <a:endParaRPr lang="en-US" sz="2900" kern="1200"/>
+          <a:endParaRPr lang="en-US" sz="3600" kern="1200"/>
         </a:p>
       </dsp:txBody>
       <dsp:txXfrm>
-        <a:off x="4533932" y="1875020"/>
-        <a:ext cx="358566" cy="490583"/>
+        <a:off x="4662195" y="2387655"/>
+        <a:ext cx="438247" cy="599602"/>
       </dsp:txXfrm>
     </dsp:sp>
-    <dsp:sp modelId="{FA7FED7A-BF4A-4078-80CC-74A8B0BB597F}">
+    <dsp:sp modelId="{9D3326A4-7A00-4186-AB1D-6D3ED5ED898C}">
       <dsp:nvSpPr>
         <dsp:cNvPr id="0" name=""/>
         <dsp:cNvSpPr/>
       </dsp:nvSpPr>
       <dsp:spPr>
         <a:xfrm>
-          <a:off x="4737401" y="3000589"/>
-          <a:ext cx="651938" cy="651938"/>
+          <a:off x="4884829" y="3836408"/>
+          <a:ext cx="796813" cy="796813"/>
         </a:xfrm>
         <a:prstGeom prst="downArrow">
           <a:avLst>
@@ -2016,12 +1848,12 @@
         <a:fontRef idx="minor"/>
       </dsp:style>
       <dsp:txBody>
-        <a:bodyPr spcFirstLastPara="0" vert="horz" wrap="square" lIns="36830" tIns="36830" rIns="36830" bIns="36830" numCol="1" spcCol="1270" anchor="ctr" anchorCtr="0">
+        <a:bodyPr spcFirstLastPara="0" vert="horz" wrap="square" lIns="45720" tIns="45720" rIns="45720" bIns="45720" numCol="1" spcCol="1270" anchor="ctr" anchorCtr="0">
           <a:noAutofit/>
         </a:bodyPr>
         <a:lstStyle/>
         <a:p>
-          <a:pPr marL="0" lvl="0" indent="0" algn="ctr" defTabSz="1289050">
+          <a:pPr marL="0" lvl="0" indent="0" algn="ctr" defTabSz="1600200">
             <a:lnSpc>
               <a:spcPct val="90000"/>
             </a:lnSpc>
@@ -2033,91 +1865,12 @@
             </a:spcAft>
             <a:buNone/>
           </a:pPr>
-          <a:endParaRPr lang="en-US" sz="2900" kern="1200"/>
+          <a:endParaRPr lang="en-US" sz="3600" kern="1200"/>
         </a:p>
       </dsp:txBody>
       <dsp:txXfrm>
-        <a:off x="4884087" y="3000589"/>
-        <a:ext cx="358566" cy="490583"/>
-      </dsp:txXfrm>
-    </dsp:sp>
-    <dsp:sp modelId="{F121E691-0E0C-4D8E-A9BD-C5C598B388EF}">
-      <dsp:nvSpPr>
-        <dsp:cNvPr id="0" name=""/>
-        <dsp:cNvSpPr/>
-      </dsp:nvSpPr>
-      <dsp:spPr>
-        <a:xfrm>
-          <a:off x="5087556" y="4154019"/>
-          <a:ext cx="651938" cy="651938"/>
-        </a:xfrm>
-        <a:prstGeom prst="downArrow">
-          <a:avLst>
-            <a:gd name="adj1" fmla="val 55000"/>
-            <a:gd name="adj2" fmla="val 45000"/>
-          </a:avLst>
-        </a:prstGeom>
-        <a:solidFill>
-          <a:schemeClr val="lt1">
-            <a:alpha val="90000"/>
-            <a:tint val="40000"/>
-            <a:hueOff val="0"/>
-            <a:satOff val="0"/>
-            <a:lumOff val="0"/>
-            <a:alphaOff val="0"/>
-          </a:schemeClr>
-        </a:solidFill>
-        <a:ln w="6350" cap="flat" cmpd="sng" algn="ctr">
-          <a:solidFill>
-            <a:schemeClr val="accent6">
-              <a:alpha val="90000"/>
-              <a:hueOff val="0"/>
-              <a:satOff val="0"/>
-              <a:lumOff val="0"/>
-              <a:alphaOff val="0"/>
-            </a:schemeClr>
-          </a:solidFill>
-          <a:prstDash val="solid"/>
-          <a:miter lim="800000"/>
-        </a:ln>
-        <a:effectLst/>
-      </dsp:spPr>
-      <dsp:style>
-        <a:lnRef idx="1">
-          <a:scrgbClr r="0" g="0" b="0"/>
-        </a:lnRef>
-        <a:fillRef idx="1">
-          <a:scrgbClr r="0" g="0" b="0"/>
-        </a:fillRef>
-        <a:effectRef idx="0">
-          <a:scrgbClr r="0" g="0" b="0"/>
-        </a:effectRef>
-        <a:fontRef idx="minor"/>
-      </dsp:style>
-      <dsp:txBody>
-        <a:bodyPr spcFirstLastPara="0" vert="horz" wrap="square" lIns="36830" tIns="36830" rIns="36830" bIns="36830" numCol="1" spcCol="1270" anchor="ctr" anchorCtr="0">
-          <a:noAutofit/>
-        </a:bodyPr>
-        <a:lstStyle/>
-        <a:p>
-          <a:pPr marL="0" lvl="0" indent="0" algn="ctr" defTabSz="1289050">
-            <a:lnSpc>
-              <a:spcPct val="90000"/>
-            </a:lnSpc>
-            <a:spcBef>
-              <a:spcPct val="0"/>
-            </a:spcBef>
-            <a:spcAft>
-              <a:spcPct val="35000"/>
-            </a:spcAft>
-            <a:buNone/>
-          </a:pPr>
-          <a:endParaRPr lang="en-US" sz="2900" kern="1200"/>
-        </a:p>
-      </dsp:txBody>
-      <dsp:txXfrm>
-        <a:off x="5234242" y="4154019"/>
-        <a:ext cx="358566" cy="490583"/>
+        <a:off x="5064112" y="3836408"/>
+        <a:ext cx="438247" cy="599602"/>
       </dsp:txXfrm>
     </dsp:sp>
   </dsp:spTree>
@@ -4531,7 +4284,7 @@
           <a:p>
             <a:fld id="{D82BDBDA-40E1-4C36-8194-F1A7495B54A5}" type="datetimeFigureOut">
               <a:rPr lang="en-US" smtClean="0"/>
-              <a:t>3/24/2018</a:t>
+              <a:t>3/26/2018</a:t>
             </a:fld>
             <a:endParaRPr lang="en-US"/>
           </a:p>
@@ -4729,7 +4482,7 @@
           <a:p>
             <a:fld id="{D82BDBDA-40E1-4C36-8194-F1A7495B54A5}" type="datetimeFigureOut">
               <a:rPr lang="en-US" smtClean="0"/>
-              <a:t>3/24/2018</a:t>
+              <a:t>3/26/2018</a:t>
             </a:fld>
             <a:endParaRPr lang="en-US"/>
           </a:p>
@@ -4937,7 +4690,7 @@
           <a:p>
             <a:fld id="{D82BDBDA-40E1-4C36-8194-F1A7495B54A5}" type="datetimeFigureOut">
               <a:rPr lang="en-US" smtClean="0"/>
-              <a:t>3/24/2018</a:t>
+              <a:t>3/26/2018</a:t>
             </a:fld>
             <a:endParaRPr lang="en-US"/>
           </a:p>
@@ -5135,7 +4888,7 @@
           <a:p>
             <a:fld id="{D82BDBDA-40E1-4C36-8194-F1A7495B54A5}" type="datetimeFigureOut">
               <a:rPr lang="en-US" smtClean="0"/>
-              <a:t>3/24/2018</a:t>
+              <a:t>3/26/2018</a:t>
             </a:fld>
             <a:endParaRPr lang="en-US"/>
           </a:p>
@@ -5410,7 +5163,7 @@
           <a:p>
             <a:fld id="{D82BDBDA-40E1-4C36-8194-F1A7495B54A5}" type="datetimeFigureOut">
               <a:rPr lang="en-US" smtClean="0"/>
-              <a:t>3/24/2018</a:t>
+              <a:t>3/26/2018</a:t>
             </a:fld>
             <a:endParaRPr lang="en-US"/>
           </a:p>
@@ -5675,7 +5428,7 @@
           <a:p>
             <a:fld id="{D82BDBDA-40E1-4C36-8194-F1A7495B54A5}" type="datetimeFigureOut">
               <a:rPr lang="en-US" smtClean="0"/>
-              <a:t>3/24/2018</a:t>
+              <a:t>3/26/2018</a:t>
             </a:fld>
             <a:endParaRPr lang="en-US"/>
           </a:p>
@@ -6087,7 +5840,7 @@
           <a:p>
             <a:fld id="{D82BDBDA-40E1-4C36-8194-F1A7495B54A5}" type="datetimeFigureOut">
               <a:rPr lang="en-US" smtClean="0"/>
-              <a:t>3/24/2018</a:t>
+              <a:t>3/26/2018</a:t>
             </a:fld>
             <a:endParaRPr lang="en-US"/>
           </a:p>
@@ -6228,7 +5981,7 @@
           <a:p>
             <a:fld id="{D82BDBDA-40E1-4C36-8194-F1A7495B54A5}" type="datetimeFigureOut">
               <a:rPr lang="en-US" smtClean="0"/>
-              <a:t>3/24/2018</a:t>
+              <a:t>3/26/2018</a:t>
             </a:fld>
             <a:endParaRPr lang="en-US"/>
           </a:p>
@@ -6341,7 +6094,7 @@
           <a:p>
             <a:fld id="{D82BDBDA-40E1-4C36-8194-F1A7495B54A5}" type="datetimeFigureOut">
               <a:rPr lang="en-US" smtClean="0"/>
-              <a:t>3/24/2018</a:t>
+              <a:t>3/26/2018</a:t>
             </a:fld>
             <a:endParaRPr lang="en-US"/>
           </a:p>
@@ -6652,7 +6405,7 @@
           <a:p>
             <a:fld id="{D82BDBDA-40E1-4C36-8194-F1A7495B54A5}" type="datetimeFigureOut">
               <a:rPr lang="en-US" smtClean="0"/>
-              <a:t>3/24/2018</a:t>
+              <a:t>3/26/2018</a:t>
             </a:fld>
             <a:endParaRPr lang="en-US"/>
           </a:p>
@@ -6940,7 +6693,7 @@
           <a:p>
             <a:fld id="{D82BDBDA-40E1-4C36-8194-F1A7495B54A5}" type="datetimeFigureOut">
               <a:rPr lang="en-US" smtClean="0"/>
-              <a:t>3/24/2018</a:t>
+              <a:t>3/26/2018</a:t>
             </a:fld>
             <a:endParaRPr lang="en-US"/>
           </a:p>
@@ -7181,7 +6934,7 @@
           <a:p>
             <a:fld id="{D82BDBDA-40E1-4C36-8194-F1A7495B54A5}" type="datetimeFigureOut">
               <a:rPr lang="en-US" smtClean="0"/>
-              <a:t>3/24/2018</a:t>
+              <a:t>3/26/2018</a:t>
             </a:fld>
             <a:endParaRPr lang="en-US"/>
           </a:p>
@@ -8075,13 +7828,13 @@
   <p:clrMapOvr>
     <a:masterClrMapping/>
   </p:clrMapOvr>
-  <mc:AlternateContent xmlns:mc="http://schemas.openxmlformats.org/markup-compatibility/2006">
-    <mc:Choice xmlns:p14="http://schemas.microsoft.com/office/powerpoint/2010/main" Requires="p14">
+  <mc:AlternateContent xmlns:mc="http://schemas.openxmlformats.org/markup-compatibility/2006" xmlns:p14="http://schemas.microsoft.com/office/powerpoint/2010/main">
+    <mc:Choice Requires="p14">
       <p:transition spd="med" p14:dur="700">
         <p:fade/>
       </p:transition>
     </mc:Choice>
-    <mc:Fallback>
+    <mc:Fallback xmlns="">
       <p:transition spd="med">
         <p:fade/>
       </p:transition>
@@ -9312,13 +9065,13 @@
   <p:clrMapOvr>
     <a:masterClrMapping/>
   </p:clrMapOvr>
-  <mc:AlternateContent xmlns:mc="http://schemas.openxmlformats.org/markup-compatibility/2006">
-    <mc:Choice xmlns:p14="http://schemas.microsoft.com/office/powerpoint/2010/main" Requires="p14">
+  <mc:AlternateContent xmlns:mc="http://schemas.openxmlformats.org/markup-compatibility/2006" xmlns:p14="http://schemas.microsoft.com/office/powerpoint/2010/main">
+    <mc:Choice Requires="p14">
       <p:transition spd="med" p14:dur="700">
         <p:fade/>
       </p:transition>
     </mc:Choice>
-    <mc:Fallback>
+    <mc:Fallback xmlns="">
       <p:transition spd="med">
         <p:fade/>
       </p:transition>
@@ -9590,7 +9343,7 @@
             <p:ph idx="1"/>
             <p:extLst>
               <p:ext uri="{D42A27DB-BD31-4B8C-83A1-F6EECF244321}">
-                <p14:modId xmlns:p14="http://schemas.microsoft.com/office/powerpoint/2010/main" val="2653212702"/>
+                <p14:modId xmlns:p14="http://schemas.microsoft.com/office/powerpoint/2010/main" val="2980636687"/>
               </p:ext>
             </p:extLst>
           </p:nvPr>
@@ -9615,13 +9368,13 @@
   <p:clrMapOvr>
     <a:masterClrMapping/>
   </p:clrMapOvr>
-  <mc:AlternateContent xmlns:mc="http://schemas.openxmlformats.org/markup-compatibility/2006">
-    <mc:Choice xmlns:p14="http://schemas.microsoft.com/office/powerpoint/2010/main" Requires="p14">
+  <mc:AlternateContent xmlns:mc="http://schemas.openxmlformats.org/markup-compatibility/2006" xmlns:p14="http://schemas.microsoft.com/office/powerpoint/2010/main">
+    <mc:Choice Requires="p14">
       <p:transition spd="med" p14:dur="700">
         <p:fade/>
       </p:transition>
     </mc:Choice>
-    <mc:Fallback>
+    <mc:Fallback xmlns="">
       <p:transition spd="med">
         <p:fade/>
       </p:transition>
@@ -10176,13 +9929,13 @@
   <p:clrMapOvr>
     <a:masterClrMapping/>
   </p:clrMapOvr>
-  <mc:AlternateContent xmlns:mc="http://schemas.openxmlformats.org/markup-compatibility/2006">
-    <mc:Choice xmlns:p14="http://schemas.microsoft.com/office/powerpoint/2010/main" Requires="p14">
+  <mc:AlternateContent xmlns:mc="http://schemas.openxmlformats.org/markup-compatibility/2006" xmlns:p14="http://schemas.microsoft.com/office/powerpoint/2010/main">
+    <mc:Choice Requires="p14">
       <p:transition spd="med" p14:dur="700">
         <p:fade/>
       </p:transition>
     </mc:Choice>
-    <mc:Fallback>
+    <mc:Fallback xmlns="">
       <p:transition spd="med">
         <p:fade/>
       </p:transition>
@@ -10731,13 +10484,13 @@
   <p:clrMapOvr>
     <a:masterClrMapping/>
   </p:clrMapOvr>
-  <mc:AlternateContent xmlns:mc="http://schemas.openxmlformats.org/markup-compatibility/2006">
-    <mc:Choice xmlns:p14="http://schemas.microsoft.com/office/powerpoint/2010/main" Requires="p14">
+  <mc:AlternateContent xmlns:mc="http://schemas.openxmlformats.org/markup-compatibility/2006" xmlns:p14="http://schemas.microsoft.com/office/powerpoint/2010/main">
+    <mc:Choice Requires="p14">
       <p:transition spd="med" p14:dur="700">
         <p:fade/>
       </p:transition>
     </mc:Choice>
-    <mc:Fallback>
+    <mc:Fallback xmlns="">
       <p:transition spd="med">
         <p:fade/>
       </p:transition>
@@ -11363,13 +11116,13 @@
   <p:clrMapOvr>
     <a:masterClrMapping/>
   </p:clrMapOvr>
-  <mc:AlternateContent xmlns:mc="http://schemas.openxmlformats.org/markup-compatibility/2006">
-    <mc:Choice xmlns:p14="http://schemas.microsoft.com/office/powerpoint/2010/main" Requires="p14">
+  <mc:AlternateContent xmlns:mc="http://schemas.openxmlformats.org/markup-compatibility/2006" xmlns:p14="http://schemas.microsoft.com/office/powerpoint/2010/main">
+    <mc:Choice Requires="p14">
       <p:transition spd="med" p14:dur="700">
         <p:fade/>
       </p:transition>
     </mc:Choice>
-    <mc:Fallback>
+    <mc:Fallback xmlns="">
       <p:transition spd="med">
         <p:fade/>
       </p:transition>
@@ -11648,13 +11401,13 @@
   <p:clrMapOvr>
     <a:masterClrMapping/>
   </p:clrMapOvr>
-  <mc:AlternateContent xmlns:mc="http://schemas.openxmlformats.org/markup-compatibility/2006">
-    <mc:Choice xmlns:p14="http://schemas.microsoft.com/office/powerpoint/2010/main" Requires="p14">
+  <mc:AlternateContent xmlns:mc="http://schemas.openxmlformats.org/markup-compatibility/2006" xmlns:p14="http://schemas.microsoft.com/office/powerpoint/2010/main">
+    <mc:Choice Requires="p14">
       <p:transition spd="med" p14:dur="700">
         <p:fade/>
       </p:transition>
     </mc:Choice>
-    <mc:Fallback>
+    <mc:Fallback xmlns="">
       <p:transition spd="med">
         <p:fade/>
       </p:transition>
@@ -12344,13 +12097,13 @@
   <p:clrMapOvr>
     <a:masterClrMapping/>
   </p:clrMapOvr>
-  <mc:AlternateContent xmlns:mc="http://schemas.openxmlformats.org/markup-compatibility/2006">
-    <mc:Choice xmlns:p14="http://schemas.microsoft.com/office/powerpoint/2010/main" Requires="p14">
+  <mc:AlternateContent xmlns:mc="http://schemas.openxmlformats.org/markup-compatibility/2006" xmlns:p14="http://schemas.microsoft.com/office/powerpoint/2010/main">
+    <mc:Choice Requires="p14">
       <p:transition spd="med" p14:dur="700">
         <p:fade/>
       </p:transition>
     </mc:Choice>
-    <mc:Fallback>
+    <mc:Fallback xmlns="">
       <p:transition spd="med">
         <p:fade/>
       </p:transition>
@@ -13003,13 +12756,13 @@
   <p:clrMapOvr>
     <a:masterClrMapping/>
   </p:clrMapOvr>
-  <mc:AlternateContent xmlns:mc="http://schemas.openxmlformats.org/markup-compatibility/2006">
-    <mc:Choice xmlns:p14="http://schemas.microsoft.com/office/powerpoint/2010/main" Requires="p14">
+  <mc:AlternateContent xmlns:mc="http://schemas.openxmlformats.org/markup-compatibility/2006" xmlns:p14="http://schemas.microsoft.com/office/powerpoint/2010/main">
+    <mc:Choice Requires="p14">
       <p:transition spd="med" p14:dur="700">
         <p:fade/>
       </p:transition>
     </mc:Choice>
-    <mc:Fallback>
+    <mc:Fallback xmlns="">
       <p:transition spd="med">
         <p:fade/>
       </p:transition>
